--- a/2_빅데이터 분석기획_권능한.pptx
+++ b/2_빅데이터 분석기획_권능한.pptx
@@ -5,7 +5,7 @@
     <p:sldMasterId id="2147483676" r:id="rId1"/>
   </p:sldMasterIdLst>
   <p:notesMasterIdLst>
-    <p:notesMasterId r:id="rId18"/>
+    <p:notesMasterId r:id="rId17"/>
   </p:notesMasterIdLst>
   <p:sldIdLst>
     <p:sldId id="256" r:id="rId2"/>
@@ -16,14 +16,13 @@
     <p:sldId id="315" r:id="rId7"/>
     <p:sldId id="314" r:id="rId8"/>
     <p:sldId id="309" r:id="rId9"/>
-    <p:sldId id="316" r:id="rId10"/>
-    <p:sldId id="310" r:id="rId11"/>
-    <p:sldId id="317" r:id="rId12"/>
-    <p:sldId id="318" r:id="rId13"/>
-    <p:sldId id="319" r:id="rId14"/>
-    <p:sldId id="320" r:id="rId15"/>
-    <p:sldId id="321" r:id="rId16"/>
-    <p:sldId id="313" r:id="rId17"/>
+    <p:sldId id="310" r:id="rId10"/>
+    <p:sldId id="317" r:id="rId11"/>
+    <p:sldId id="318" r:id="rId12"/>
+    <p:sldId id="319" r:id="rId13"/>
+    <p:sldId id="320" r:id="rId14"/>
+    <p:sldId id="321" r:id="rId15"/>
+    <p:sldId id="313" r:id="rId16"/>
   </p:sldIdLst>
   <p:sldSz cx="9144000" cy="5143500" type="screen16x9"/>
   <p:notesSz cx="6858000" cy="9144000"/>
@@ -908,7 +907,7 @@
     </p:spTree>
     <p:extLst>
       <p:ext uri="{BB962C8B-B14F-4D97-AF65-F5344CB8AC3E}">
-        <p14:creationId xmlns:p14="http://schemas.microsoft.com/office/powerpoint/2010/main" val="1090027981"/>
+        <p14:creationId xmlns:p14="http://schemas.microsoft.com/office/powerpoint/2010/main" val="1666134764"/>
       </p:ext>
     </p:extLst>
   </p:cSld>
@@ -1017,7 +1016,7 @@
     </p:spTree>
     <p:extLst>
       <p:ext uri="{BB962C8B-B14F-4D97-AF65-F5344CB8AC3E}">
-        <p14:creationId xmlns:p14="http://schemas.microsoft.com/office/powerpoint/2010/main" val="1666134764"/>
+        <p14:creationId xmlns:p14="http://schemas.microsoft.com/office/powerpoint/2010/main" val="2982048675"/>
       </p:ext>
     </p:extLst>
   </p:cSld>
@@ -1126,7 +1125,7 @@
     </p:spTree>
     <p:extLst>
       <p:ext uri="{BB962C8B-B14F-4D97-AF65-F5344CB8AC3E}">
-        <p14:creationId xmlns:p14="http://schemas.microsoft.com/office/powerpoint/2010/main" val="2982048675"/>
+        <p14:creationId xmlns:p14="http://schemas.microsoft.com/office/powerpoint/2010/main" val="2441632149"/>
       </p:ext>
     </p:extLst>
   </p:cSld>
@@ -1235,7 +1234,7 @@
     </p:spTree>
     <p:extLst>
       <p:ext uri="{BB962C8B-B14F-4D97-AF65-F5344CB8AC3E}">
-        <p14:creationId xmlns:p14="http://schemas.microsoft.com/office/powerpoint/2010/main" val="2441632149"/>
+        <p14:creationId xmlns:p14="http://schemas.microsoft.com/office/powerpoint/2010/main" val="2476994560"/>
       </p:ext>
     </p:extLst>
   </p:cSld>
@@ -1344,7 +1343,7 @@
     </p:spTree>
     <p:extLst>
       <p:ext uri="{BB962C8B-B14F-4D97-AF65-F5344CB8AC3E}">
-        <p14:creationId xmlns:p14="http://schemas.microsoft.com/office/powerpoint/2010/main" val="2476994560"/>
+        <p14:creationId xmlns:p14="http://schemas.microsoft.com/office/powerpoint/2010/main" val="2428631274"/>
       </p:ext>
     </p:extLst>
   </p:cSld>
@@ -1355,115 +1354,6 @@
 </file>
 
 <file path=ppt/notesSlides/notesSlide15.xml><?xml version="1.0" encoding="utf-8"?>
-<p:notes xmlns:a="http://schemas.openxmlformats.org/drawingml/2006/main" xmlns:r="http://schemas.openxmlformats.org/officeDocument/2006/relationships" xmlns:p="http://schemas.openxmlformats.org/presentationml/2006/main" showMasterSp="0" showMasterPhAnim="0">
-  <p:cSld>
-    <p:spTree>
-      <p:nvGrpSpPr>
-        <p:cNvPr id="1" name="Shape 290"/>
-        <p:cNvGrpSpPr/>
-        <p:nvPr/>
-      </p:nvGrpSpPr>
-      <p:grpSpPr>
-        <a:xfrm>
-          <a:off x="0" y="0"/>
-          <a:ext cx="0" cy="0"/>
-          <a:chOff x="0" y="0"/>
-          <a:chExt cx="0" cy="0"/>
-        </a:xfrm>
-      </p:grpSpPr>
-      <p:sp>
-        <p:nvSpPr>
-          <p:cNvPr id="291" name="Google Shape;291;gd3c3787e4d_0_84:notes"/>
-          <p:cNvSpPr>
-            <a:spLocks noGrp="1" noRot="1" noChangeAspect="1"/>
-          </p:cNvSpPr>
-          <p:nvPr>
-            <p:ph type="sldImg" idx="2"/>
-          </p:nvPr>
-        </p:nvSpPr>
-        <p:spPr>
-          <a:xfrm>
-            <a:off x="381000" y="685800"/>
-            <a:ext cx="6096000" cy="3429000"/>
-          </a:xfrm>
-          <a:custGeom>
-            <a:avLst/>
-            <a:gdLst/>
-            <a:ahLst/>
-            <a:cxnLst/>
-            <a:rect l="l" t="t" r="r" b="b"/>
-            <a:pathLst>
-              <a:path w="120000" h="120000" extrusionOk="0">
-                <a:moveTo>
-                  <a:pt x="0" y="0"/>
-                </a:moveTo>
-                <a:lnTo>
-                  <a:pt x="120000" y="0"/>
-                </a:lnTo>
-                <a:lnTo>
-                  <a:pt x="120000" y="120000"/>
-                </a:lnTo>
-                <a:lnTo>
-                  <a:pt x="0" y="120000"/>
-                </a:lnTo>
-                <a:close/>
-              </a:path>
-            </a:pathLst>
-          </a:custGeom>
-        </p:spPr>
-      </p:sp>
-      <p:sp>
-        <p:nvSpPr>
-          <p:cNvPr id="292" name="Google Shape;292;gd3c3787e4d_0_84:notes"/>
-          <p:cNvSpPr txBox="1">
-            <a:spLocks noGrp="1"/>
-          </p:cNvSpPr>
-          <p:nvPr>
-            <p:ph type="body" idx="1"/>
-          </p:nvPr>
-        </p:nvSpPr>
-        <p:spPr>
-          <a:xfrm>
-            <a:off x="685800" y="4343400"/>
-            <a:ext cx="5486400" cy="4114800"/>
-          </a:xfrm>
-          <a:prstGeom prst="rect">
-            <a:avLst/>
-          </a:prstGeom>
-        </p:spPr>
-        <p:txBody>
-          <a:bodyPr spcFirstLastPara="1" wrap="square" lIns="91425" tIns="91425" rIns="91425" bIns="91425" anchor="t" anchorCtr="0">
-            <a:noAutofit/>
-          </a:bodyPr>
-          <a:lstStyle/>
-          <a:p>
-            <a:pPr marL="0" lvl="0" indent="0" algn="l" rtl="0">
-              <a:spcBef>
-                <a:spcPts val="0"/>
-              </a:spcBef>
-              <a:spcAft>
-                <a:spcPts val="0"/>
-              </a:spcAft>
-              <a:buNone/>
-            </a:pPr>
-            <a:endParaRPr/>
-          </a:p>
-        </p:txBody>
-      </p:sp>
-    </p:spTree>
-    <p:extLst>
-      <p:ext uri="{BB962C8B-B14F-4D97-AF65-F5344CB8AC3E}">
-        <p14:creationId xmlns:p14="http://schemas.microsoft.com/office/powerpoint/2010/main" val="2428631274"/>
-      </p:ext>
-    </p:extLst>
-  </p:cSld>
-  <p:clrMapOvr>
-    <a:masterClrMapping/>
-  </p:clrMapOvr>
-</p:notes>
-</file>
-
-<file path=ppt/notesSlides/notesSlide16.xml><?xml version="1.0" encoding="utf-8"?>
 <p:notes xmlns:a="http://schemas.openxmlformats.org/drawingml/2006/main" xmlns:r="http://schemas.openxmlformats.org/officeDocument/2006/relationships" xmlns:p="http://schemas.openxmlformats.org/presentationml/2006/main" showMasterSp="0" showMasterPhAnim="0">
   <p:cSld>
     <p:spTree>
@@ -2419,7 +2309,7 @@
     </p:spTree>
     <p:extLst>
       <p:ext uri="{BB962C8B-B14F-4D97-AF65-F5344CB8AC3E}">
-        <p14:creationId xmlns:p14="http://schemas.microsoft.com/office/powerpoint/2010/main" val="3135568602"/>
+        <p14:creationId xmlns:p14="http://schemas.microsoft.com/office/powerpoint/2010/main" val="1090027981"/>
       </p:ext>
     </p:extLst>
   </p:cSld>
@@ -6689,450 +6579,6 @@
           </a:p>
         </p:txBody>
       </p:sp>
-      <p:pic>
-        <p:nvPicPr>
-          <p:cNvPr id="6" name="그림 5"/>
-          <p:cNvPicPr>
-            <a:picLocks noChangeAspect="1"/>
-          </p:cNvPicPr>
-          <p:nvPr/>
-        </p:nvPicPr>
-        <p:blipFill>
-          <a:blip r:embed="rId3">
-            <a:extLst>
-              <a:ext uri="{28A0092B-C50C-407E-A947-70E740481C1C}">
-                <a14:useLocalDpi xmlns:a14="http://schemas.microsoft.com/office/drawing/2010/main" val="0"/>
-              </a:ext>
-            </a:extLst>
-          </a:blip>
-          <a:stretch>
-            <a:fillRect/>
-          </a:stretch>
-        </p:blipFill>
-        <p:spPr>
-          <a:xfrm>
-            <a:off x="740431" y="791745"/>
-            <a:ext cx="3634341" cy="1943835"/>
-          </a:xfrm>
-          <a:prstGeom prst="rect">
-            <a:avLst/>
-          </a:prstGeom>
-        </p:spPr>
-      </p:pic>
-      <p:pic>
-        <p:nvPicPr>
-          <p:cNvPr id="7" name="그림 6"/>
-          <p:cNvPicPr>
-            <a:picLocks noChangeAspect="1"/>
-          </p:cNvPicPr>
-          <p:nvPr/>
-        </p:nvPicPr>
-        <p:blipFill>
-          <a:blip r:embed="rId4">
-            <a:extLst>
-              <a:ext uri="{28A0092B-C50C-407E-A947-70E740481C1C}">
-                <a14:useLocalDpi xmlns:a14="http://schemas.microsoft.com/office/drawing/2010/main" val="0"/>
-              </a:ext>
-            </a:extLst>
-          </a:blip>
-          <a:stretch>
-            <a:fillRect/>
-          </a:stretch>
-        </p:blipFill>
-        <p:spPr>
-          <a:xfrm>
-            <a:off x="740431" y="2803425"/>
-            <a:ext cx="3634341" cy="1943835"/>
-          </a:xfrm>
-          <a:prstGeom prst="rect">
-            <a:avLst/>
-          </a:prstGeom>
-        </p:spPr>
-      </p:pic>
-      <p:sp>
-        <p:nvSpPr>
-          <p:cNvPr id="16" name="부제목 1"/>
-          <p:cNvSpPr>
-            <a:spLocks noGrp="1"/>
-          </p:cNvSpPr>
-          <p:nvPr>
-            <p:ph type="subTitle" idx="1"/>
-          </p:nvPr>
-        </p:nvSpPr>
-        <p:spPr>
-          <a:xfrm>
-            <a:off x="3887058" y="3161070"/>
-            <a:ext cx="4213002" cy="755467"/>
-          </a:xfrm>
-        </p:spPr>
-        <p:txBody>
-          <a:bodyPr/>
-          <a:lstStyle/>
-          <a:p>
-            <a:r>
-              <a:rPr lang="ko-KR" altLang="en-US" dirty="0" smtClean="0"/>
-              <a:t>자바 </a:t>
-            </a:r>
-            <a:r>
-              <a:rPr lang="en-US" altLang="ko-KR" dirty="0" smtClean="0"/>
-              <a:t>11</a:t>
-            </a:r>
-            <a:r>
-              <a:rPr lang="ko-KR" altLang="en-US" dirty="0" smtClean="0"/>
-              <a:t>버전 설치</a:t>
-            </a:r>
-            <a:endParaRPr lang="en-US" altLang="ko-KR" dirty="0" smtClean="0"/>
-          </a:p>
-        </p:txBody>
-      </p:sp>
-      <p:grpSp>
-        <p:nvGrpSpPr>
-          <p:cNvPr id="17" name="그룹 16"/>
-          <p:cNvGrpSpPr/>
-          <p:nvPr/>
-        </p:nvGrpSpPr>
-        <p:grpSpPr>
-          <a:xfrm>
-            <a:off x="4673327" y="1134952"/>
-            <a:ext cx="180061" cy="3274070"/>
-            <a:chOff x="4092721" y="1402988"/>
-            <a:chExt cx="180061" cy="3274070"/>
-          </a:xfrm>
-        </p:grpSpPr>
-        <p:cxnSp>
-          <p:nvCxnSpPr>
-            <p:cNvPr id="18" name="Google Shape;324;p37"/>
-            <p:cNvCxnSpPr>
-              <a:stCxn id="19" idx="4"/>
-            </p:cNvCxnSpPr>
-            <p:nvPr/>
-          </p:nvCxnSpPr>
-          <p:spPr>
-            <a:xfrm>
-              <a:off x="4175821" y="1569188"/>
-              <a:ext cx="0" cy="3090891"/>
-            </a:xfrm>
-            <a:prstGeom prst="straightConnector1">
-              <a:avLst/>
-            </a:prstGeom>
-            <a:noFill/>
-            <a:ln w="9525" cap="flat" cmpd="sng">
-              <a:solidFill>
-                <a:schemeClr val="dk1"/>
-              </a:solidFill>
-              <a:prstDash val="solid"/>
-              <a:round/>
-              <a:headEnd type="none" w="med" len="med"/>
-              <a:tailEnd type="none" w="med" len="med"/>
-            </a:ln>
-          </p:spPr>
-        </p:cxnSp>
-        <p:sp>
-          <p:nvSpPr>
-            <p:cNvPr id="19" name="Google Shape;325;p37"/>
-            <p:cNvSpPr/>
-            <p:nvPr/>
-          </p:nvSpPr>
-          <p:spPr>
-            <a:xfrm>
-              <a:off x="4092721" y="1402988"/>
-              <a:ext cx="166200" cy="166200"/>
-            </a:xfrm>
-            <a:prstGeom prst="ellipse">
-              <a:avLst/>
-            </a:prstGeom>
-            <a:solidFill>
-              <a:schemeClr val="dk1"/>
-            </a:solidFill>
-            <a:ln>
-              <a:noFill/>
-            </a:ln>
-          </p:spPr>
-          <p:txBody>
-            <a:bodyPr spcFirstLastPara="1" wrap="square" lIns="91425" tIns="91425" rIns="91425" bIns="91425" anchor="ctr" anchorCtr="0">
-              <a:noAutofit/>
-            </a:bodyPr>
-            <a:lstStyle/>
-            <a:p>
-              <a:pPr marL="0" lvl="0" indent="0" algn="l" rtl="0">
-                <a:spcBef>
-                  <a:spcPts val="0"/>
-                </a:spcBef>
-                <a:spcAft>
-                  <a:spcPts val="0"/>
-                </a:spcAft>
-                <a:buNone/>
-              </a:pPr>
-              <a:endParaRPr/>
-            </a:p>
-          </p:txBody>
-        </p:sp>
-        <p:sp>
-          <p:nvSpPr>
-            <p:cNvPr id="20" name="Google Shape;329;p37"/>
-            <p:cNvSpPr/>
-            <p:nvPr/>
-          </p:nvSpPr>
-          <p:spPr>
-            <a:xfrm>
-              <a:off x="4092721" y="2521814"/>
-              <a:ext cx="166200" cy="166200"/>
-            </a:xfrm>
-            <a:prstGeom prst="ellipse">
-              <a:avLst/>
-            </a:prstGeom>
-            <a:solidFill>
-              <a:schemeClr val="dk1"/>
-            </a:solidFill>
-            <a:ln>
-              <a:noFill/>
-            </a:ln>
-          </p:spPr>
-          <p:txBody>
-            <a:bodyPr spcFirstLastPara="1" wrap="square" lIns="91425" tIns="91425" rIns="91425" bIns="91425" anchor="ctr" anchorCtr="0">
-              <a:noAutofit/>
-            </a:bodyPr>
-            <a:lstStyle/>
-            <a:p>
-              <a:pPr marL="0" lvl="0" indent="0" algn="l" rtl="0">
-                <a:spcBef>
-                  <a:spcPts val="0"/>
-                </a:spcBef>
-                <a:spcAft>
-                  <a:spcPts val="0"/>
-                </a:spcAft>
-                <a:buNone/>
-              </a:pPr>
-              <a:endParaRPr/>
-            </a:p>
-          </p:txBody>
-        </p:sp>
-        <p:sp>
-          <p:nvSpPr>
-            <p:cNvPr id="21" name="Google Shape;326;p37"/>
-            <p:cNvSpPr/>
-            <p:nvPr/>
-          </p:nvSpPr>
-          <p:spPr>
-            <a:xfrm>
-              <a:off x="4092721" y="3640640"/>
-              <a:ext cx="166200" cy="166200"/>
-            </a:xfrm>
-            <a:prstGeom prst="ellipse">
-              <a:avLst/>
-            </a:prstGeom>
-            <a:solidFill>
-              <a:schemeClr val="dk1"/>
-            </a:solidFill>
-            <a:ln>
-              <a:noFill/>
-            </a:ln>
-          </p:spPr>
-          <p:txBody>
-            <a:bodyPr spcFirstLastPara="1" wrap="square" lIns="91425" tIns="91425" rIns="91425" bIns="91425" anchor="ctr" anchorCtr="0">
-              <a:noAutofit/>
-            </a:bodyPr>
-            <a:lstStyle/>
-            <a:p>
-              <a:pPr marL="0" lvl="0" indent="0" algn="l" rtl="0">
-                <a:spcBef>
-                  <a:spcPts val="0"/>
-                </a:spcBef>
-                <a:spcAft>
-                  <a:spcPts val="0"/>
-                </a:spcAft>
-                <a:buNone/>
-              </a:pPr>
-              <a:endParaRPr/>
-            </a:p>
-          </p:txBody>
-        </p:sp>
-        <p:sp>
-          <p:nvSpPr>
-            <p:cNvPr id="22" name="Google Shape;326;p37"/>
-            <p:cNvSpPr/>
-            <p:nvPr/>
-          </p:nvSpPr>
-          <p:spPr>
-            <a:xfrm>
-              <a:off x="4106582" y="4510858"/>
-              <a:ext cx="166200" cy="166200"/>
-            </a:xfrm>
-            <a:prstGeom prst="ellipse">
-              <a:avLst/>
-            </a:prstGeom>
-            <a:solidFill>
-              <a:schemeClr val="dk1"/>
-            </a:solidFill>
-            <a:ln>
-              <a:noFill/>
-            </a:ln>
-          </p:spPr>
-          <p:txBody>
-            <a:bodyPr spcFirstLastPara="1" wrap="square" lIns="91425" tIns="91425" rIns="91425" bIns="91425" anchor="ctr" anchorCtr="0">
-              <a:noAutofit/>
-            </a:bodyPr>
-            <a:lstStyle/>
-            <a:p>
-              <a:pPr marL="0" lvl="0" indent="0" algn="l" rtl="0">
-                <a:spcBef>
-                  <a:spcPts val="0"/>
-                </a:spcBef>
-                <a:spcAft>
-                  <a:spcPts val="0"/>
-                </a:spcAft>
-                <a:buNone/>
-              </a:pPr>
-              <a:endParaRPr/>
-            </a:p>
-          </p:txBody>
-        </p:sp>
-      </p:grpSp>
-      <p:sp>
-        <p:nvSpPr>
-          <p:cNvPr id="23" name="부제목 1"/>
-          <p:cNvSpPr>
-            <a:spLocks noGrp="1"/>
-          </p:cNvSpPr>
-          <p:nvPr>
-            <p:ph type="subTitle" idx="1"/>
-          </p:nvPr>
-        </p:nvSpPr>
-        <p:spPr>
-          <a:xfrm>
-            <a:off x="4922688" y="1650711"/>
-            <a:ext cx="4213002" cy="755467"/>
-          </a:xfrm>
-        </p:spPr>
-        <p:txBody>
-          <a:bodyPr/>
-          <a:lstStyle/>
-          <a:p>
-            <a:r>
-              <a:rPr lang="ko-KR" altLang="en-US" dirty="0" smtClean="0"/>
-              <a:t>기초 패키지 </a:t>
-            </a:r>
-            <a:r>
-              <a:rPr lang="en-US" altLang="ko-KR" dirty="0" smtClean="0"/>
-              <a:t>(net-tools, vim, </a:t>
-            </a:r>
-            <a:r>
-              <a:rPr lang="en-US" altLang="ko-KR" dirty="0" err="1" smtClean="0"/>
-              <a:t>wget</a:t>
-            </a:r>
-            <a:r>
-              <a:rPr lang="en-US" altLang="ko-KR" dirty="0" smtClean="0"/>
-              <a:t>) </a:t>
-            </a:r>
-            <a:r>
-              <a:rPr lang="ko-KR" altLang="en-US" dirty="0" smtClean="0"/>
-              <a:t>설치</a:t>
-            </a:r>
-            <a:endParaRPr lang="en-US" altLang="ko-KR" dirty="0" smtClean="0"/>
-          </a:p>
-          <a:p>
-            <a:pPr>
-              <a:buFontTx/>
-              <a:buChar char="-"/>
-            </a:pPr>
-            <a:r>
-              <a:rPr lang="ko-KR" altLang="en-US" dirty="0" smtClean="0"/>
-              <a:t>설치 확인 결과 기존 패키지 파일 존재</a:t>
-            </a:r>
-            <a:endParaRPr lang="en-US" altLang="ko-KR" dirty="0" smtClean="0"/>
-          </a:p>
-          <a:p>
-            <a:pPr>
-              <a:buFontTx/>
-              <a:buChar char="-"/>
-            </a:pPr>
-            <a:endParaRPr lang="en-US" altLang="ko-KR" dirty="0" smtClean="0"/>
-          </a:p>
-        </p:txBody>
-      </p:sp>
-    </p:spTree>
-    <p:extLst>
-      <p:ext uri="{BB962C8B-B14F-4D97-AF65-F5344CB8AC3E}">
-        <p14:creationId xmlns:p14="http://schemas.microsoft.com/office/powerpoint/2010/main" val="3855690029"/>
-      </p:ext>
-    </p:extLst>
-  </p:cSld>
-  <p:clrMapOvr>
-    <a:masterClrMapping/>
-  </p:clrMapOvr>
-  <p:timing>
-    <p:tnLst>
-      <p:par>
-        <p:cTn id="1" dur="indefinite" restart="never" nodeType="tmRoot"/>
-      </p:par>
-    </p:tnLst>
-  </p:timing>
-</p:sld>
-</file>
-
-<file path=ppt/slides/slide11.xml><?xml version="1.0" encoding="utf-8"?>
-<p:sld xmlns:a="http://schemas.openxmlformats.org/drawingml/2006/main" xmlns:r="http://schemas.openxmlformats.org/officeDocument/2006/relationships" xmlns:p="http://schemas.openxmlformats.org/presentationml/2006/main">
-  <p:cSld>
-    <p:spTree>
-      <p:nvGrpSpPr>
-        <p:cNvPr id="1" name="Shape 293"/>
-        <p:cNvGrpSpPr/>
-        <p:nvPr/>
-      </p:nvGrpSpPr>
-      <p:grpSpPr>
-        <a:xfrm>
-          <a:off x="0" y="0"/>
-          <a:ext cx="0" cy="0"/>
-          <a:chOff x="0" y="0"/>
-          <a:chExt cx="0" cy="0"/>
-        </a:xfrm>
-      </p:grpSpPr>
-      <p:sp>
-        <p:nvSpPr>
-          <p:cNvPr id="296" name="Google Shape;296;p36"/>
-          <p:cNvSpPr txBox="1">
-            <a:spLocks noGrp="1"/>
-          </p:cNvSpPr>
-          <p:nvPr>
-            <p:ph type="title" idx="2"/>
-          </p:nvPr>
-        </p:nvSpPr>
-        <p:spPr>
-          <a:xfrm>
-            <a:off x="917807" y="219045"/>
-            <a:ext cx="7717500" cy="572700"/>
-          </a:xfrm>
-          <a:prstGeom prst="rect">
-            <a:avLst/>
-          </a:prstGeom>
-        </p:spPr>
-        <p:txBody>
-          <a:bodyPr spcFirstLastPara="1" wrap="square" lIns="91425" tIns="91425" rIns="91425" bIns="91425" anchor="t" anchorCtr="0">
-            <a:noAutofit/>
-          </a:bodyPr>
-          <a:lstStyle/>
-          <a:p>
-            <a:pPr marL="0" lvl="0" indent="0" algn="ctr" rtl="0">
-              <a:spcBef>
-                <a:spcPts val="0"/>
-              </a:spcBef>
-              <a:spcAft>
-                <a:spcPts val="0"/>
-              </a:spcAft>
-              <a:buNone/>
-            </a:pPr>
-            <a:r>
-              <a:rPr lang="ko-KR" altLang="en-US" dirty="0" smtClean="0">
-                <a:latin typeface="+mj-lt"/>
-              </a:rPr>
-              <a:t>패키지 설치 및 설정 과정 </a:t>
-            </a:r>
-            <a:endParaRPr dirty="0">
-              <a:latin typeface="+mj-lt"/>
-            </a:endParaRPr>
-          </a:p>
-        </p:txBody>
-      </p:sp>
       <p:sp>
         <p:nvSpPr>
           <p:cNvPr id="16" name="부제목 1"/>
@@ -7450,7 +6896,7 @@
 </p:sld>
 </file>
 
-<file path=ppt/slides/slide12.xml><?xml version="1.0" encoding="utf-8"?>
+<file path=ppt/slides/slide11.xml><?xml version="1.0" encoding="utf-8"?>
 <p:sld xmlns:a="http://schemas.openxmlformats.org/drawingml/2006/main" xmlns:r="http://schemas.openxmlformats.org/officeDocument/2006/relationships" xmlns:p="http://schemas.openxmlformats.org/presentationml/2006/main">
   <p:cSld>
     <p:spTree>
@@ -7891,7 +7337,7 @@
 </p:sld>
 </file>
 
-<file path=ppt/slides/slide13.xml><?xml version="1.0" encoding="utf-8"?>
+<file path=ppt/slides/slide12.xml><?xml version="1.0" encoding="utf-8"?>
 <p:sld xmlns:a="http://schemas.openxmlformats.org/drawingml/2006/main" xmlns:r="http://schemas.openxmlformats.org/officeDocument/2006/relationships" xmlns:p="http://schemas.openxmlformats.org/presentationml/2006/main">
   <p:cSld>
     <p:spTree>
@@ -8350,7 +7796,7 @@
 </p:sld>
 </file>
 
-<file path=ppt/slides/slide14.xml><?xml version="1.0" encoding="utf-8"?>
+<file path=ppt/slides/slide13.xml><?xml version="1.0" encoding="utf-8"?>
 <p:sld xmlns:a="http://schemas.openxmlformats.org/drawingml/2006/main" xmlns:r="http://schemas.openxmlformats.org/officeDocument/2006/relationships" xmlns:p="http://schemas.openxmlformats.org/presentationml/2006/main">
   <p:cSld>
     <p:spTree>
@@ -8834,7 +8280,7 @@
 </p:sld>
 </file>
 
-<file path=ppt/slides/slide15.xml><?xml version="1.0" encoding="utf-8"?>
+<file path=ppt/slides/slide14.xml><?xml version="1.0" encoding="utf-8"?>
 <p:sld xmlns:a="http://schemas.openxmlformats.org/drawingml/2006/main" xmlns:r="http://schemas.openxmlformats.org/officeDocument/2006/relationships" xmlns:p="http://schemas.openxmlformats.org/presentationml/2006/main">
   <p:cSld>
     <p:spTree>
@@ -9223,7 +8669,7 @@
 </p:sld>
 </file>
 
-<file path=ppt/slides/slide16.xml><?xml version="1.0" encoding="utf-8"?>
+<file path=ppt/slides/slide15.xml><?xml version="1.0" encoding="utf-8"?>
 <p:sld xmlns:a="http://schemas.openxmlformats.org/drawingml/2006/main" xmlns:r="http://schemas.openxmlformats.org/officeDocument/2006/relationships" xmlns:p="http://schemas.openxmlformats.org/presentationml/2006/main">
   <p:cSld>
     <p:spTree>
@@ -11875,7 +11321,7 @@
               <a:rPr lang="ko-KR" altLang="en-US" dirty="0" smtClean="0">
                 <a:latin typeface="+mj-lt"/>
               </a:rPr>
-              <a:t>인스턴스 생성하기</a:t>
+              <a:t>패키지 설치 및 설정 과정 </a:t>
             </a:r>
             <a:endParaRPr dirty="0">
               <a:latin typeface="+mj-lt"/>
@@ -11883,9 +11329,69 @@
           </a:p>
         </p:txBody>
       </p:sp>
+      <p:pic>
+        <p:nvPicPr>
+          <p:cNvPr id="6" name="그림 5"/>
+          <p:cNvPicPr>
+            <a:picLocks noChangeAspect="1"/>
+          </p:cNvPicPr>
+          <p:nvPr/>
+        </p:nvPicPr>
+        <p:blipFill>
+          <a:blip r:embed="rId3">
+            <a:extLst>
+              <a:ext uri="{28A0092B-C50C-407E-A947-70E740481C1C}">
+                <a14:useLocalDpi xmlns:a14="http://schemas.microsoft.com/office/drawing/2010/main" val="0"/>
+              </a:ext>
+            </a:extLst>
+          </a:blip>
+          <a:stretch>
+            <a:fillRect/>
+          </a:stretch>
+        </p:blipFill>
+        <p:spPr>
+          <a:xfrm>
+            <a:off x="740431" y="791745"/>
+            <a:ext cx="3634341" cy="1943835"/>
+          </a:xfrm>
+          <a:prstGeom prst="rect">
+            <a:avLst/>
+          </a:prstGeom>
+        </p:spPr>
+      </p:pic>
+      <p:pic>
+        <p:nvPicPr>
+          <p:cNvPr id="7" name="그림 6"/>
+          <p:cNvPicPr>
+            <a:picLocks noChangeAspect="1"/>
+          </p:cNvPicPr>
+          <p:nvPr/>
+        </p:nvPicPr>
+        <p:blipFill>
+          <a:blip r:embed="rId4">
+            <a:extLst>
+              <a:ext uri="{28A0092B-C50C-407E-A947-70E740481C1C}">
+                <a14:useLocalDpi xmlns:a14="http://schemas.microsoft.com/office/drawing/2010/main" val="0"/>
+              </a:ext>
+            </a:extLst>
+          </a:blip>
+          <a:stretch>
+            <a:fillRect/>
+          </a:stretch>
+        </p:blipFill>
+        <p:spPr>
+          <a:xfrm>
+            <a:off x="740431" y="2803425"/>
+            <a:ext cx="3634341" cy="1943835"/>
+          </a:xfrm>
+          <a:prstGeom prst="rect">
+            <a:avLst/>
+          </a:prstGeom>
+        </p:spPr>
+      </p:pic>
       <p:sp>
         <p:nvSpPr>
-          <p:cNvPr id="2" name="부제목 1"/>
+          <p:cNvPr id="16" name="부제목 1"/>
           <p:cNvSpPr>
             <a:spLocks noGrp="1"/>
           </p:cNvSpPr>
@@ -11895,8 +11401,8 @@
         </p:nvSpPr>
         <p:spPr>
           <a:xfrm>
-            <a:off x="4770288" y="1498311"/>
-            <a:ext cx="4213002" cy="2696572"/>
+            <a:off x="3887058" y="3161070"/>
+            <a:ext cx="4213002" cy="755467"/>
           </a:xfrm>
         </p:spPr>
         <p:txBody>
@@ -11904,122 +11410,24 @@
           <a:lstStyle/>
           <a:p>
             <a:r>
+              <a:rPr lang="ko-KR" altLang="en-US" dirty="0" smtClean="0"/>
+              <a:t>자바 </a:t>
+            </a:r>
+            <a:r>
               <a:rPr lang="en-US" altLang="ko-KR" dirty="0" smtClean="0"/>
-              <a:t>AWS</a:t>
+              <a:t>11</a:t>
             </a:r>
             <a:r>
               <a:rPr lang="ko-KR" altLang="en-US" dirty="0" smtClean="0"/>
-              <a:t>웹에서 인스턴스 연결하여 </a:t>
-            </a:r>
-            <a:r>
-              <a:rPr lang="ko-KR" altLang="en-US" dirty="0" err="1" smtClean="0"/>
-              <a:t>외부접속</a:t>
-            </a:r>
-            <a:endParaRPr lang="en-US" altLang="ko-KR" dirty="0"/>
-          </a:p>
-          <a:p>
-            <a:r>
-              <a:rPr lang="ko-KR" altLang="en-US" dirty="0" smtClean="0"/>
-              <a:t>가능한  </a:t>
-            </a:r>
-            <a:r>
-              <a:rPr lang="en-US" altLang="ko-KR" dirty="0" smtClean="0"/>
-              <a:t>root </a:t>
-            </a:r>
-            <a:r>
-              <a:rPr lang="ko-KR" altLang="en-US" dirty="0" smtClean="0"/>
-              <a:t>활성화 및 비밀번호 설정</a:t>
+              <a:t>버전 설치</a:t>
             </a:r>
             <a:endParaRPr lang="en-US" altLang="ko-KR" dirty="0" smtClean="0"/>
-          </a:p>
-          <a:p>
-            <a:endParaRPr lang="en-US" altLang="ko-KR" dirty="0" smtClean="0"/>
-          </a:p>
-          <a:p>
-            <a:endParaRPr lang="en-US" altLang="ko-KR" dirty="0" smtClean="0"/>
-          </a:p>
-          <a:p>
-            <a:endParaRPr lang="en-US" altLang="ko-KR" dirty="0"/>
-          </a:p>
-          <a:p>
-            <a:r>
-              <a:rPr lang="en-US" altLang="ko-KR" dirty="0" err="1" smtClean="0"/>
-              <a:t>sudo</a:t>
-            </a:r>
-            <a:r>
-              <a:rPr lang="en-US" altLang="ko-KR" dirty="0" smtClean="0"/>
-              <a:t> vi /</a:t>
-            </a:r>
-            <a:r>
-              <a:rPr lang="en-US" altLang="ko-KR" dirty="0" err="1" smtClean="0"/>
-              <a:t>ect</a:t>
-            </a:r>
-            <a:r>
-              <a:rPr lang="en-US" altLang="ko-KR" dirty="0" smtClean="0"/>
-              <a:t>/</a:t>
-            </a:r>
-            <a:r>
-              <a:rPr lang="en-US" altLang="ko-KR" dirty="0" err="1" smtClean="0"/>
-              <a:t>ssh</a:t>
-            </a:r>
-            <a:r>
-              <a:rPr lang="en-US" altLang="ko-KR" dirty="0" smtClean="0"/>
-              <a:t>/</a:t>
-            </a:r>
-            <a:r>
-              <a:rPr lang="en-US" altLang="ko-KR" dirty="0" err="1" smtClean="0"/>
-              <a:t>sshd_config</a:t>
-            </a:r>
-            <a:r>
-              <a:rPr lang="en-US" altLang="ko-KR" dirty="0"/>
-              <a:t> </a:t>
-            </a:r>
-            <a:r>
-              <a:rPr lang="ko-KR" altLang="en-US" dirty="0" err="1" smtClean="0"/>
-              <a:t>입력후</a:t>
-            </a:r>
-            <a:r>
-              <a:rPr lang="ko-KR" altLang="en-US" dirty="0" smtClean="0"/>
-              <a:t> </a:t>
-            </a:r>
-            <a:endParaRPr lang="en-US" altLang="ko-KR" dirty="0" smtClean="0"/>
-          </a:p>
-          <a:p>
-            <a:endParaRPr lang="en-US" altLang="ko-KR" dirty="0" smtClean="0"/>
-          </a:p>
-          <a:p>
-            <a:endParaRPr lang="en-US" altLang="ko-KR" dirty="0" smtClean="0"/>
-          </a:p>
-          <a:p>
-            <a:endParaRPr lang="en-US" altLang="ko-KR" dirty="0" smtClean="0"/>
-          </a:p>
-          <a:p>
-            <a:r>
-              <a:rPr lang="en-US" altLang="ko-KR" dirty="0" smtClean="0"/>
-              <a:t>2</a:t>
-            </a:r>
-            <a:r>
-              <a:rPr lang="ko-KR" altLang="en-US" dirty="0" smtClean="0"/>
-              <a:t>번째 그림과 같이 </a:t>
-            </a:r>
-            <a:r>
-              <a:rPr lang="ko-KR" altLang="en-US" dirty="0" err="1" smtClean="0"/>
-              <a:t>설정값을</a:t>
-            </a:r>
-            <a:r>
-              <a:rPr lang="ko-KR" altLang="en-US" dirty="0" smtClean="0"/>
-              <a:t> 변경 후 저장</a:t>
-            </a:r>
-            <a:endParaRPr lang="en-US" altLang="ko-KR" dirty="0"/>
-          </a:p>
-          <a:p>
-            <a:endParaRPr lang="ko-KR" altLang="en-US" dirty="0"/>
           </a:p>
         </p:txBody>
       </p:sp>
       <p:grpSp>
         <p:nvGrpSpPr>
-          <p:cNvPr id="20" name="그룹 19"/>
+          <p:cNvPr id="17" name="그룹 16"/>
           <p:cNvGrpSpPr/>
           <p:nvPr/>
         </p:nvGrpSpPr>
@@ -12033,9 +11441,9 @@
         </p:grpSpPr>
         <p:cxnSp>
           <p:nvCxnSpPr>
-            <p:cNvPr id="21" name="Google Shape;324;p37"/>
+            <p:cNvPr id="18" name="Google Shape;324;p37"/>
             <p:cNvCxnSpPr>
-              <a:stCxn id="22" idx="4"/>
+              <a:stCxn id="19" idx="4"/>
             </p:cNvCxnSpPr>
             <p:nvPr/>
           </p:nvCxnSpPr>
@@ -12061,7 +11469,7 @@
         </p:cxnSp>
         <p:sp>
           <p:nvSpPr>
-            <p:cNvPr id="22" name="Google Shape;325;p37"/>
+            <p:cNvPr id="19" name="Google Shape;325;p37"/>
             <p:cNvSpPr/>
             <p:nvPr/>
           </p:nvSpPr>
@@ -12101,7 +11509,7 @@
         </p:sp>
         <p:sp>
           <p:nvSpPr>
-            <p:cNvPr id="23" name="Google Shape;329;p37"/>
+            <p:cNvPr id="20" name="Google Shape;329;p37"/>
             <p:cNvSpPr/>
             <p:nvPr/>
           </p:nvSpPr>
@@ -12141,7 +11549,7 @@
         </p:sp>
         <p:sp>
           <p:nvSpPr>
-            <p:cNvPr id="24" name="Google Shape;326;p37"/>
+            <p:cNvPr id="21" name="Google Shape;326;p37"/>
             <p:cNvSpPr/>
             <p:nvPr/>
           </p:nvSpPr>
@@ -12181,7 +11589,7 @@
         </p:sp>
         <p:sp>
           <p:nvSpPr>
-            <p:cNvPr id="25" name="Google Shape;326;p37"/>
+            <p:cNvPr id="22" name="Google Shape;326;p37"/>
             <p:cNvSpPr/>
             <p:nvPr/>
           </p:nvSpPr>
@@ -12220,70 +11628,72 @@
           </p:txBody>
         </p:sp>
       </p:grpSp>
-      <p:pic>
-        <p:nvPicPr>
-          <p:cNvPr id="3" name="그림 2"/>
-          <p:cNvPicPr>
-            <a:picLocks noChangeAspect="1"/>
-          </p:cNvPicPr>
-          <p:nvPr/>
-        </p:nvPicPr>
-        <p:blipFill>
-          <a:blip r:embed="rId3">
-            <a:extLst>
-              <a:ext uri="{28A0092B-C50C-407E-A947-70E740481C1C}">
-                <a14:useLocalDpi xmlns:a14="http://schemas.microsoft.com/office/drawing/2010/main" val="0"/>
-              </a:ext>
-            </a:extLst>
-          </a:blip>
-          <a:stretch>
-            <a:fillRect/>
-          </a:stretch>
-        </p:blipFill>
+      <p:sp>
+        <p:nvSpPr>
+          <p:cNvPr id="23" name="부제목 1"/>
+          <p:cNvSpPr>
+            <a:spLocks noGrp="1"/>
+          </p:cNvSpPr>
+          <p:nvPr>
+            <p:ph type="subTitle" idx="1"/>
+          </p:nvPr>
+        </p:nvSpPr>
         <p:spPr>
           <a:xfrm>
-            <a:off x="740431" y="791745"/>
-            <a:ext cx="3634341" cy="1943835"/>
-          </a:xfrm>
-          <a:prstGeom prst="rect">
-            <a:avLst/>
-          </a:prstGeom>
-        </p:spPr>
-      </p:pic>
-      <p:pic>
-        <p:nvPicPr>
-          <p:cNvPr id="14" name="그림 13"/>
-          <p:cNvPicPr>
-            <a:picLocks noChangeAspect="1"/>
-          </p:cNvPicPr>
-          <p:nvPr/>
-        </p:nvPicPr>
-        <p:blipFill>
-          <a:blip r:embed="rId4">
-            <a:extLst>
-              <a:ext uri="{28A0092B-C50C-407E-A947-70E740481C1C}">
-                <a14:useLocalDpi xmlns:a14="http://schemas.microsoft.com/office/drawing/2010/main" val="0"/>
-              </a:ext>
-            </a:extLst>
-          </a:blip>
-          <a:stretch>
-            <a:fillRect/>
-          </a:stretch>
-        </p:blipFill>
-        <p:spPr>
-          <a:xfrm>
-            <a:off x="740431" y="2846597"/>
-            <a:ext cx="3634341" cy="1918008"/>
-          </a:xfrm>
-          <a:prstGeom prst="rect">
-            <a:avLst/>
-          </a:prstGeom>
-        </p:spPr>
-      </p:pic>
+            <a:off x="4922688" y="1650711"/>
+            <a:ext cx="4213002" cy="755467"/>
+          </a:xfrm>
+        </p:spPr>
+        <p:txBody>
+          <a:bodyPr/>
+          <a:lstStyle/>
+          <a:p>
+            <a:r>
+              <a:rPr lang="ko-KR" altLang="en-US" dirty="0" smtClean="0"/>
+              <a:t>기초 패키지 </a:t>
+            </a:r>
+            <a:r>
+              <a:rPr lang="en-US" altLang="ko-KR" dirty="0" smtClean="0"/>
+              <a:t>(net-tools, vim, </a:t>
+            </a:r>
+            <a:r>
+              <a:rPr lang="en-US" altLang="ko-KR" dirty="0" err="1" smtClean="0"/>
+              <a:t>wget</a:t>
+            </a:r>
+            <a:r>
+              <a:rPr lang="en-US" altLang="ko-KR" dirty="0" smtClean="0"/>
+              <a:t>) </a:t>
+            </a:r>
+            <a:r>
+              <a:rPr lang="ko-KR" altLang="en-US" dirty="0" smtClean="0"/>
+              <a:t>설치</a:t>
+            </a:r>
+            <a:endParaRPr lang="en-US" altLang="ko-KR" dirty="0" smtClean="0"/>
+          </a:p>
+          <a:p>
+            <a:pPr>
+              <a:buFontTx/>
+              <a:buChar char="-"/>
+            </a:pPr>
+            <a:r>
+              <a:rPr lang="ko-KR" altLang="en-US" dirty="0" smtClean="0"/>
+              <a:t>설치 확인 결과 기존 패키지 파일 존재</a:t>
+            </a:r>
+            <a:endParaRPr lang="en-US" altLang="ko-KR" dirty="0" smtClean="0"/>
+          </a:p>
+          <a:p>
+            <a:pPr>
+              <a:buFontTx/>
+              <a:buChar char="-"/>
+            </a:pPr>
+            <a:endParaRPr lang="en-US" altLang="ko-KR" dirty="0" smtClean="0"/>
+          </a:p>
+        </p:txBody>
+      </p:sp>
     </p:spTree>
     <p:extLst>
       <p:ext uri="{BB962C8B-B14F-4D97-AF65-F5344CB8AC3E}">
-        <p14:creationId xmlns:p14="http://schemas.microsoft.com/office/powerpoint/2010/main" val="3956730687"/>
+        <p14:creationId xmlns:p14="http://schemas.microsoft.com/office/powerpoint/2010/main" val="3855690029"/>
       </p:ext>
     </p:extLst>
   </p:cSld>
